--- a/Whatsapp_Bot_Tutorial_7.pptx
+++ b/Whatsapp_Bot_Tutorial_7.pptx
@@ -6225,7 +6225,7 @@
                   <a:srgbClr val="FF0000"/>
                 </a:highlight>
               </a:rPr>
-              <a:t>Usr should not use the bot for 2 minutes after one successful request</a:t>
+              <a:t>User should not use the bot for 2 minutes after one successful request</a:t>
             </a:r>
           </a:p>
           <a:p>
